--- a/documents/hms_backend.pptx
+++ b/documents/hms_backend.pptx
@@ -5,7 +5,7 @@
     <p:sldMasterId id="2147483672" r:id="rId1"/>
   </p:sldMasterIdLst>
   <p:notesMasterIdLst>
-    <p:notesMasterId r:id="rId8"/>
+    <p:notesMasterId r:id="rId10"/>
   </p:notesMasterIdLst>
   <p:sldIdLst>
     <p:sldId id="256" r:id="rId2"/>
@@ -14,6 +14,8 @@
     <p:sldId id="261" r:id="rId5"/>
     <p:sldId id="257" r:id="rId6"/>
     <p:sldId id="259" r:id="rId7"/>
+    <p:sldId id="262" r:id="rId8"/>
+    <p:sldId id="263" r:id="rId9"/>
   </p:sldIdLst>
   <p:sldSz cx="12192000" cy="6858000"/>
   <p:notesSz cx="6858000" cy="9144000"/>
@@ -202,7 +204,7 @@
           <a:p>
             <a:fld id="{0541B742-6D0D-4B93-B670-3D2308A2C958}" type="datetimeFigureOut">
               <a:rPr lang="en-IN" smtClean="0"/>
-              <a:t>27-02-2023</a:t>
+              <a:t>28-02-2023</a:t>
             </a:fld>
             <a:endParaRPr lang="en-IN"/>
           </a:p>
@@ -619,7 +621,7 @@
           <a:p>
             <a:fld id="{E1398576-78BB-4A43-881A-9BA9318EC520}" type="datetime1">
               <a:rPr lang="en-IN" smtClean="0"/>
-              <a:t>27-02-2023</a:t>
+              <a:t>28-02-2023</a:t>
             </a:fld>
             <a:endParaRPr lang="en-IN" dirty="0"/>
           </a:p>
@@ -819,7 +821,7 @@
           <a:p>
             <a:fld id="{DC05C1AE-6B8F-46A9-BE43-3E79956F7276}" type="datetime1">
               <a:rPr lang="en-IN" smtClean="0"/>
-              <a:t>27-02-2023</a:t>
+              <a:t>28-02-2023</a:t>
             </a:fld>
             <a:endParaRPr lang="en-IN" dirty="0"/>
           </a:p>
@@ -1029,7 +1031,7 @@
           <a:p>
             <a:fld id="{CF70E3C0-0020-4BF9-AE28-132BEC5EF1F0}" type="datetime1">
               <a:rPr lang="en-IN" smtClean="0"/>
-              <a:t>27-02-2023</a:t>
+              <a:t>28-02-2023</a:t>
             </a:fld>
             <a:endParaRPr lang="en-IN" dirty="0"/>
           </a:p>
@@ -1229,7 +1231,7 @@
           <a:p>
             <a:fld id="{8A338A9B-E703-4810-8492-B8675AAA1CCE}" type="datetime1">
               <a:rPr lang="en-IN" smtClean="0"/>
-              <a:t>27-02-2023</a:t>
+              <a:t>28-02-2023</a:t>
             </a:fld>
             <a:endParaRPr lang="en-IN" dirty="0"/>
           </a:p>
@@ -1505,7 +1507,7 @@
           <a:p>
             <a:fld id="{2F19B84F-8A41-4190-AD7B-6F8EB603CCB1}" type="datetime1">
               <a:rPr lang="en-IN" smtClean="0"/>
-              <a:t>27-02-2023</a:t>
+              <a:t>28-02-2023</a:t>
             </a:fld>
             <a:endParaRPr lang="en-IN" dirty="0"/>
           </a:p>
@@ -1773,7 +1775,7 @@
           <a:p>
             <a:fld id="{74289495-FE7D-4ECD-B99D-246E45931D76}" type="datetime1">
               <a:rPr lang="en-IN" smtClean="0"/>
-              <a:t>27-02-2023</a:t>
+              <a:t>28-02-2023</a:t>
             </a:fld>
             <a:endParaRPr lang="en-IN" dirty="0"/>
           </a:p>
@@ -2188,7 +2190,7 @@
           <a:p>
             <a:fld id="{7F48335E-5508-4CE8-9B64-0CC5562FA7F7}" type="datetime1">
               <a:rPr lang="en-IN" smtClean="0"/>
-              <a:t>27-02-2023</a:t>
+              <a:t>28-02-2023</a:t>
             </a:fld>
             <a:endParaRPr lang="en-IN" dirty="0"/>
           </a:p>
@@ -2330,7 +2332,7 @@
           <a:p>
             <a:fld id="{14C4604D-4B09-4795-85F6-ABC48229A2AB}" type="datetime1">
               <a:rPr lang="en-IN" smtClean="0"/>
-              <a:t>27-02-2023</a:t>
+              <a:t>28-02-2023</a:t>
             </a:fld>
             <a:endParaRPr lang="en-IN" dirty="0"/>
           </a:p>
@@ -2443,7 +2445,7 @@
           <a:p>
             <a:fld id="{30362704-8F42-43FC-81B1-AB42996BE194}" type="datetime1">
               <a:rPr lang="en-IN" smtClean="0"/>
-              <a:t>27-02-2023</a:t>
+              <a:t>28-02-2023</a:t>
             </a:fld>
             <a:endParaRPr lang="en-IN" dirty="0"/>
           </a:p>
@@ -2756,7 +2758,7 @@
           <a:p>
             <a:fld id="{B3A4FCF7-BB96-4E49-BED9-CF74312B60BC}" type="datetime1">
               <a:rPr lang="en-IN" smtClean="0"/>
-              <a:t>27-02-2023</a:t>
+              <a:t>28-02-2023</a:t>
             </a:fld>
             <a:endParaRPr lang="en-IN" dirty="0"/>
           </a:p>
@@ -3045,7 +3047,7 @@
           <a:p>
             <a:fld id="{52CEB472-FD3F-4F65-9E00-EDF6E25AF684}" type="datetime1">
               <a:rPr lang="en-IN" smtClean="0"/>
-              <a:t>27-02-2023</a:t>
+              <a:t>28-02-2023</a:t>
             </a:fld>
             <a:endParaRPr lang="en-IN" dirty="0"/>
           </a:p>
@@ -3288,7 +3290,7 @@
           <a:p>
             <a:fld id="{0319963A-45C5-4795-B192-875BB16DDCF4}" type="datetime1">
               <a:rPr lang="en-IN" smtClean="0"/>
-              <a:t>27-02-2023</a:t>
+              <a:t>28-02-2023</a:t>
             </a:fld>
             <a:endParaRPr lang="en-IN" dirty="0"/>
           </a:p>
@@ -8338,6 +8340,182 @@
     <p:extLst>
       <p:ext uri="{BB962C8B-B14F-4D97-AF65-F5344CB8AC3E}">
         <p14:creationId xmlns:p14="http://schemas.microsoft.com/office/powerpoint/2010/main" val="2440735194"/>
+      </p:ext>
+    </p:extLst>
+  </p:cSld>
+  <p:clrMapOvr>
+    <a:masterClrMapping/>
+  </p:clrMapOvr>
+</p:sld>
+</file>
+
+<file path=ppt/slides/slide7.xml><?xml version="1.0" encoding="utf-8"?>
+<p:sld xmlns:a="http://schemas.openxmlformats.org/drawingml/2006/main" xmlns:r="http://schemas.openxmlformats.org/officeDocument/2006/relationships" xmlns:p="http://schemas.openxmlformats.org/presentationml/2006/main">
+  <p:cSld>
+    <p:spTree>
+      <p:nvGrpSpPr>
+        <p:cNvPr id="1" name=""/>
+        <p:cNvGrpSpPr/>
+        <p:nvPr/>
+      </p:nvGrpSpPr>
+      <p:grpSpPr>
+        <a:xfrm>
+          <a:off x="0" y="0"/>
+          <a:ext cx="0" cy="0"/>
+          <a:chOff x="0" y="0"/>
+          <a:chExt cx="0" cy="0"/>
+        </a:xfrm>
+      </p:grpSpPr>
+      <p:sp>
+        <p:nvSpPr>
+          <p:cNvPr id="4" name="Title 1">
+            <a:extLst>
+              <a:ext uri="{FF2B5EF4-FFF2-40B4-BE49-F238E27FC236}">
+                <a16:creationId xmlns:a16="http://schemas.microsoft.com/office/drawing/2014/main" id="{DFE4F78D-A770-C80C-D2F5-DE17A27731C7}"/>
+              </a:ext>
+            </a:extLst>
+          </p:cNvPr>
+          <p:cNvSpPr>
+            <a:spLocks noGrp="1"/>
+          </p:cNvSpPr>
+          <p:nvPr>
+            <p:ph type="title"/>
+          </p:nvPr>
+        </p:nvSpPr>
+        <p:spPr>
+          <a:xfrm>
+            <a:off x="332000" y="222486"/>
+            <a:ext cx="5514164" cy="823866"/>
+          </a:xfrm>
+        </p:spPr>
+        <p:txBody>
+          <a:bodyPr>
+            <a:normAutofit fontScale="90000"/>
+          </a:bodyPr>
+          <a:lstStyle/>
+          <a:p>
+            <a:r>
+              <a:rPr lang="en-US" u="sng" dirty="0">
+                <a:solidFill>
+                  <a:srgbClr val="FF0000"/>
+                </a:solidFill>
+                <a:latin typeface="Roboto" panose="02000000000000000000" pitchFamily="2" charset="0"/>
+                <a:ea typeface="Roboto" panose="02000000000000000000" pitchFamily="2" charset="0"/>
+                <a:cs typeface="Times New Roman" panose="02020603050405020304" pitchFamily="18" charset="0"/>
+              </a:rPr>
+              <a:t>JWT Token Based Auth</a:t>
+            </a:r>
+            <a:endParaRPr lang="en-US" b="1" dirty="0">
+              <a:latin typeface="Lato" panose="020F0502020204030203" pitchFamily="34" charset="0"/>
+            </a:endParaRPr>
+          </a:p>
+        </p:txBody>
+      </p:sp>
+      <p:pic>
+        <p:nvPicPr>
+          <p:cNvPr id="6" name="Picture 5">
+            <a:extLst>
+              <a:ext uri="{FF2B5EF4-FFF2-40B4-BE49-F238E27FC236}">
+                <a16:creationId xmlns:a16="http://schemas.microsoft.com/office/drawing/2014/main" id="{72F3182F-1081-8954-B285-AF8E1FD2A954}"/>
+              </a:ext>
+            </a:extLst>
+          </p:cNvPr>
+          <p:cNvPicPr>
+            <a:picLocks noChangeAspect="1"/>
+          </p:cNvPicPr>
+          <p:nvPr/>
+        </p:nvPicPr>
+        <p:blipFill>
+          <a:blip r:embed="rId2">
+            <a:extLst>
+              <a:ext uri="{28A0092B-C50C-407E-A947-70E740481C1C}">
+                <a14:useLocalDpi xmlns:a14="http://schemas.microsoft.com/office/drawing/2010/main" val="0"/>
+              </a:ext>
+            </a:extLst>
+          </a:blip>
+          <a:stretch>
+            <a:fillRect/>
+          </a:stretch>
+        </p:blipFill>
+        <p:spPr>
+          <a:xfrm>
+            <a:off x="779489" y="1123628"/>
+            <a:ext cx="10388183" cy="5277172"/>
+          </a:xfrm>
+          <a:prstGeom prst="rect">
+            <a:avLst/>
+          </a:prstGeom>
+        </p:spPr>
+      </p:pic>
+    </p:spTree>
+    <p:extLst>
+      <p:ext uri="{BB962C8B-B14F-4D97-AF65-F5344CB8AC3E}">
+        <p14:creationId xmlns:p14="http://schemas.microsoft.com/office/powerpoint/2010/main" val="745348350"/>
+      </p:ext>
+    </p:extLst>
+  </p:cSld>
+  <p:clrMapOvr>
+    <a:masterClrMapping/>
+  </p:clrMapOvr>
+</p:sld>
+</file>
+
+<file path=ppt/slides/slide8.xml><?xml version="1.0" encoding="utf-8"?>
+<p:sld xmlns:a="http://schemas.openxmlformats.org/drawingml/2006/main" xmlns:r="http://schemas.openxmlformats.org/officeDocument/2006/relationships" xmlns:p="http://schemas.openxmlformats.org/presentationml/2006/main">
+  <p:cSld>
+    <p:spTree>
+      <p:nvGrpSpPr>
+        <p:cNvPr id="1" name=""/>
+        <p:cNvGrpSpPr/>
+        <p:nvPr/>
+      </p:nvGrpSpPr>
+      <p:grpSpPr>
+        <a:xfrm>
+          <a:off x="0" y="0"/>
+          <a:ext cx="0" cy="0"/>
+          <a:chOff x="0" y="0"/>
+          <a:chExt cx="0" cy="0"/>
+        </a:xfrm>
+      </p:grpSpPr>
+      <p:pic>
+        <p:nvPicPr>
+          <p:cNvPr id="5" name="Picture 4">
+            <a:extLst>
+              <a:ext uri="{FF2B5EF4-FFF2-40B4-BE49-F238E27FC236}">
+                <a16:creationId xmlns:a16="http://schemas.microsoft.com/office/drawing/2014/main" id="{0F568F8D-1C9B-85A1-DBDF-47DA23DCA8AF}"/>
+              </a:ext>
+            </a:extLst>
+          </p:cNvPr>
+          <p:cNvPicPr>
+            <a:picLocks noChangeAspect="1"/>
+          </p:cNvPicPr>
+          <p:nvPr/>
+        </p:nvPicPr>
+        <p:blipFill rotWithShape="1">
+          <a:blip r:embed="rId2">
+            <a:extLst>
+              <a:ext uri="{28A0092B-C50C-407E-A947-70E740481C1C}">
+                <a14:useLocalDpi xmlns:a14="http://schemas.microsoft.com/office/drawing/2010/main" val="0"/>
+              </a:ext>
+            </a:extLst>
+          </a:blip>
+          <a:srcRect b="6423"/>
+          <a:stretch/>
+        </p:blipFill>
+        <p:spPr>
+          <a:xfrm>
+            <a:off x="787791" y="956603"/>
+            <a:ext cx="11018025" cy="5444198"/>
+          </a:xfrm>
+          <a:prstGeom prst="rect">
+            <a:avLst/>
+          </a:prstGeom>
+        </p:spPr>
+      </p:pic>
+    </p:spTree>
+    <p:extLst>
+      <p:ext uri="{BB962C8B-B14F-4D97-AF65-F5344CB8AC3E}">
+        <p14:creationId xmlns:p14="http://schemas.microsoft.com/office/powerpoint/2010/main" val="2668560421"/>
       </p:ext>
     </p:extLst>
   </p:cSld>

--- a/documents/hms_backend.pptx
+++ b/documents/hms_backend.pptx
@@ -10,8 +10,8 @@
   <p:sldIdLst>
     <p:sldId id="256" r:id="rId2"/>
     <p:sldId id="258" r:id="rId3"/>
-    <p:sldId id="260" r:id="rId4"/>
-    <p:sldId id="261" r:id="rId5"/>
+    <p:sldId id="261" r:id="rId4"/>
+    <p:sldId id="260" r:id="rId5"/>
     <p:sldId id="257" r:id="rId6"/>
     <p:sldId id="259" r:id="rId7"/>
     <p:sldId id="262" r:id="rId8"/>
@@ -4721,31 +4721,71 @@
       </p:grpSpPr>
       <p:sp>
         <p:nvSpPr>
-          <p:cNvPr id="11" name="Rectangle 10"/>
+          <p:cNvPr id="2" name="Title 1"/>
+          <p:cNvSpPr>
+            <a:spLocks noGrp="1"/>
+          </p:cNvSpPr>
+          <p:nvPr>
+            <p:ph type="title"/>
+          </p:nvPr>
+        </p:nvSpPr>
+        <p:spPr>
+          <a:xfrm>
+            <a:off x="332000" y="222486"/>
+            <a:ext cx="5084298" cy="823866"/>
+          </a:xfrm>
+        </p:spPr>
+        <p:txBody>
+          <a:bodyPr/>
+          <a:lstStyle/>
+          <a:p>
+            <a:r>
+              <a:rPr lang="en-US" u="sng" dirty="0">
+                <a:solidFill>
+                  <a:srgbClr val="FF0000"/>
+                </a:solidFill>
+                <a:latin typeface="Roboto" panose="02000000000000000000" pitchFamily="2" charset="0"/>
+                <a:ea typeface="Roboto" panose="02000000000000000000" pitchFamily="2" charset="0"/>
+                <a:cs typeface="Times New Roman" panose="02020603050405020304" pitchFamily="18" charset="0"/>
+              </a:rPr>
+              <a:t>Service Registry</a:t>
+            </a:r>
+            <a:endParaRPr lang="en-US" b="1" dirty="0">
+              <a:latin typeface="Lato" panose="020F0502020204030203" pitchFamily="34" charset="0"/>
+            </a:endParaRPr>
+          </a:p>
+        </p:txBody>
+      </p:sp>
+      <p:sp>
+        <p:nvSpPr>
+          <p:cNvPr id="11" name="Oval 10"/>
           <p:cNvSpPr/>
           <p:nvPr/>
         </p:nvSpPr>
         <p:spPr>
           <a:xfrm>
-            <a:off x="5578495" y="1259956"/>
-            <a:ext cx="4541752" cy="4082509"/>
-          </a:xfrm>
-          <a:prstGeom prst="rect">
+            <a:off x="8249582" y="1828800"/>
+            <a:ext cx="3191933" cy="3200400"/>
+          </a:xfrm>
+          <a:prstGeom prst="ellipse">
             <a:avLst/>
           </a:prstGeom>
+          <a:ln/>
         </p:spPr>
         <p:style>
           <a:lnRef idx="2">
-            <a:schemeClr val="accent2"/>
+            <a:schemeClr val="accent6">
+              <a:shade val="50000"/>
+            </a:schemeClr>
           </a:lnRef>
           <a:fillRef idx="1">
-            <a:schemeClr val="lt1"/>
+            <a:schemeClr val="accent6"/>
           </a:fillRef>
           <a:effectRef idx="0">
-            <a:schemeClr val="accent2"/>
+            <a:schemeClr val="accent6"/>
           </a:effectRef>
           <a:fontRef idx="minor">
-            <a:schemeClr val="dk1"/>
+            <a:schemeClr val="lt1"/>
           </a:fontRef>
         </p:style>
         <p:txBody>
@@ -4753,20 +4793,27 @@
           <a:lstStyle/>
           <a:p>
             <a:pPr algn="ctr"/>
-            <a:endParaRPr lang="en-US" dirty="0"/>
-          </a:p>
-        </p:txBody>
-      </p:sp>
-      <p:sp>
-        <p:nvSpPr>
-          <p:cNvPr id="12" name="Rectangle 11"/>
+            <a:r>
+              <a:rPr lang="en-US" dirty="0">
+                <a:solidFill>
+                  <a:srgbClr val="FF0000"/>
+                </a:solidFill>
+              </a:rPr>
+              <a:t>Service Registry</a:t>
+            </a:r>
+          </a:p>
+        </p:txBody>
+      </p:sp>
+      <p:sp>
+        <p:nvSpPr>
+          <p:cNvPr id="18" name="Rectangle 17"/>
           <p:cNvSpPr/>
           <p:nvPr/>
         </p:nvSpPr>
         <p:spPr>
           <a:xfrm>
-            <a:off x="7638642" y="1873194"/>
-            <a:ext cx="1983660" cy="518085"/>
+            <a:off x="2946400" y="2049953"/>
+            <a:ext cx="1770020" cy="518085"/>
           </a:xfrm>
           <a:prstGeom prst="rect">
             <a:avLst/>
@@ -4810,14 +4857,14 @@
       </p:sp>
       <p:sp>
         <p:nvSpPr>
-          <p:cNvPr id="18" name="Rectangle 17"/>
+          <p:cNvPr id="19" name="Rectangle 18"/>
           <p:cNvSpPr/>
           <p:nvPr/>
         </p:nvSpPr>
         <p:spPr>
           <a:xfrm>
-            <a:off x="7675154" y="3602728"/>
-            <a:ext cx="1947148" cy="518085"/>
+            <a:off x="2966537" y="4467333"/>
+            <a:ext cx="1930671" cy="518085"/>
           </a:xfrm>
           <a:prstGeom prst="rect">
             <a:avLst/>
@@ -4861,128 +4908,97 @@
       </p:sp>
       <p:sp>
         <p:nvSpPr>
-          <p:cNvPr id="15" name="Flowchart: Magnetic Disk 14"/>
-          <p:cNvSpPr/>
+          <p:cNvPr id="12" name="TextBox 11"/>
+          <p:cNvSpPr txBox="1"/>
           <p:nvPr/>
         </p:nvSpPr>
         <p:spPr>
           <a:xfrm>
-            <a:off x="10944206" y="1734488"/>
-            <a:ext cx="656030" cy="815120"/>
-          </a:xfrm>
-          <a:prstGeom prst="flowChartMagneticDisk">
+            <a:off x="2791996" y="1637505"/>
+            <a:ext cx="2792175" cy="369332"/>
+          </a:xfrm>
+          <a:prstGeom prst="rect">
             <a:avLst/>
           </a:prstGeom>
-          <a:solidFill>
-            <a:schemeClr val="accent2">
-              <a:lumMod val="75000"/>
-            </a:schemeClr>
-          </a:solidFill>
-          <a:ln>
-            <a:solidFill>
-              <a:schemeClr val="bg1"/>
-            </a:solidFill>
-          </a:ln>
-        </p:spPr>
-        <p:style>
-          <a:lnRef idx="2">
-            <a:schemeClr val="accent1">
-              <a:shade val="50000"/>
-            </a:schemeClr>
-          </a:lnRef>
-          <a:fillRef idx="1">
-            <a:schemeClr val="accent1"/>
-          </a:fillRef>
-          <a:effectRef idx="0">
-            <a:schemeClr val="accent1"/>
-          </a:effectRef>
-          <a:fontRef idx="minor">
-            <a:schemeClr val="lt1"/>
-          </a:fontRef>
-        </p:style>
-        <p:txBody>
-          <a:bodyPr rtlCol="0" anchor="ctr"/>
-          <a:lstStyle/>
-          <a:p>
-            <a:pPr algn="ctr"/>
-            <a:endParaRPr lang="en-US" dirty="0">
-              <a:latin typeface="Lato" panose="020F0502020204030203" pitchFamily="34" charset="0"/>
-            </a:endParaRPr>
-          </a:p>
-        </p:txBody>
-      </p:sp>
-      <p:sp>
-        <p:nvSpPr>
-          <p:cNvPr id="20" name="Flowchart: Magnetic Disk 19"/>
-          <p:cNvSpPr/>
+          <a:noFill/>
+        </p:spPr>
+        <p:txBody>
+          <a:bodyPr wrap="none" rtlCol="0">
+            <a:spAutoFit/>
+          </a:bodyPr>
+          <a:lstStyle/>
+          <a:p>
+            <a:r>
+              <a:rPr lang="en-US" dirty="0"/>
+              <a:t>http://</a:t>
+            </a:r>
+            <a:r>
+              <a:rPr lang="en-US" b="1" dirty="0"/>
+              <a:t>192.168.41.01</a:t>
+            </a:r>
+            <a:r>
+              <a:rPr lang="en-US" dirty="0"/>
+              <a:t>:9091/</a:t>
+            </a:r>
+          </a:p>
+        </p:txBody>
+      </p:sp>
+      <p:sp>
+        <p:nvSpPr>
+          <p:cNvPr id="21" name="TextBox 20"/>
+          <p:cNvSpPr txBox="1"/>
           <p:nvPr/>
         </p:nvSpPr>
         <p:spPr>
           <a:xfrm>
-            <a:off x="10944206" y="3454210"/>
-            <a:ext cx="656030" cy="815120"/>
-          </a:xfrm>
-          <a:prstGeom prst="flowChartMagneticDisk">
+            <a:off x="2678931" y="3983572"/>
+            <a:ext cx="2792175" cy="369332"/>
+          </a:xfrm>
+          <a:prstGeom prst="rect">
             <a:avLst/>
           </a:prstGeom>
-          <a:solidFill>
-            <a:schemeClr val="accent2">
-              <a:lumMod val="75000"/>
-            </a:schemeClr>
-          </a:solidFill>
-          <a:ln>
-            <a:solidFill>
-              <a:schemeClr val="bg1"/>
-            </a:solidFill>
-          </a:ln>
-        </p:spPr>
-        <p:style>
-          <a:lnRef idx="2">
-            <a:schemeClr val="accent1">
-              <a:shade val="50000"/>
-            </a:schemeClr>
-          </a:lnRef>
-          <a:fillRef idx="1">
-            <a:schemeClr val="accent1"/>
-          </a:fillRef>
-          <a:effectRef idx="0">
-            <a:schemeClr val="accent1"/>
-          </a:effectRef>
-          <a:fontRef idx="minor">
-            <a:schemeClr val="lt1"/>
-          </a:fontRef>
-        </p:style>
-        <p:txBody>
-          <a:bodyPr rtlCol="0" anchor="ctr"/>
-          <a:lstStyle/>
-          <a:p>
-            <a:pPr algn="ctr"/>
-            <a:endParaRPr lang="en-US" dirty="0">
-              <a:latin typeface="Lato" panose="020F0502020204030203" pitchFamily="34" charset="0"/>
-            </a:endParaRPr>
+          <a:noFill/>
+        </p:spPr>
+        <p:txBody>
+          <a:bodyPr wrap="none" rtlCol="0">
+            <a:spAutoFit/>
+          </a:bodyPr>
+          <a:lstStyle/>
+          <a:p>
+            <a:r>
+              <a:rPr lang="en-US" dirty="0"/>
+              <a:t>http://</a:t>
+            </a:r>
+            <a:r>
+              <a:rPr lang="en-US" b="1" dirty="0"/>
+              <a:t>192.168.41.02</a:t>
+            </a:r>
+            <a:r>
+              <a:rPr lang="en-US" dirty="0"/>
+              <a:t>:8080/</a:t>
+            </a:r>
           </a:p>
         </p:txBody>
       </p:sp>
       <p:cxnSp>
         <p:nvCxnSpPr>
-          <p:cNvPr id="25" name="Straight Arrow Connector 24"/>
+          <p:cNvPr id="23" name="Straight Arrow Connector 22"/>
           <p:cNvCxnSpPr>
             <a:cxnSpLocks/>
-            <a:stCxn id="12" idx="3"/>
-            <a:endCxn id="15" idx="2"/>
+            <a:stCxn id="18" idx="3"/>
+            <a:endCxn id="11" idx="2"/>
           </p:cNvCxnSpPr>
           <p:nvPr/>
         </p:nvCxnSpPr>
         <p:spPr>
           <a:xfrm>
-            <a:off x="9622302" y="2132237"/>
-            <a:ext cx="1321904" cy="9811"/>
+            <a:off x="4716420" y="2308996"/>
+            <a:ext cx="3533162" cy="1120004"/>
           </a:xfrm>
           <a:prstGeom prst="straightConnector1">
             <a:avLst/>
           </a:prstGeom>
           <a:ln>
-            <a:headEnd type="triangle"/>
             <a:tailEnd type="triangle"/>
           </a:ln>
         </p:spPr>
@@ -5003,24 +5019,23 @@
       </p:cxnSp>
       <p:cxnSp>
         <p:nvCxnSpPr>
-          <p:cNvPr id="26" name="Straight Arrow Connector 25"/>
+          <p:cNvPr id="25" name="Straight Arrow Connector 24"/>
           <p:cNvCxnSpPr>
             <a:cxnSpLocks/>
-            <a:stCxn id="18" idx="3"/>
-            <a:endCxn id="20" idx="2"/>
+            <a:stCxn id="19" idx="3"/>
+            <a:endCxn id="11" idx="2"/>
           </p:cNvCxnSpPr>
           <p:nvPr/>
         </p:nvCxnSpPr>
         <p:spPr>
           <a:xfrm flipV="1">
-            <a:off x="9622302" y="3861770"/>
-            <a:ext cx="1321904" cy="1"/>
+            <a:off x="4897208" y="3429000"/>
+            <a:ext cx="3352374" cy="1297376"/>
           </a:xfrm>
           <a:prstGeom prst="straightConnector1">
             <a:avLst/>
           </a:prstGeom>
           <a:ln>
-            <a:headEnd type="triangle"/>
             <a:tailEnd type="triangle"/>
           </a:ln>
         </p:spPr>
@@ -5041,243 +5056,14 @@
       </p:cxnSp>
       <p:sp>
         <p:nvSpPr>
-          <p:cNvPr id="28" name="Rectangle 27"/>
-          <p:cNvSpPr/>
-          <p:nvPr/>
-        </p:nvSpPr>
-        <p:spPr>
-          <a:xfrm>
-            <a:off x="5809190" y="4622738"/>
-            <a:ext cx="1499498" cy="518085"/>
-          </a:xfrm>
-          <a:prstGeom prst="rect">
-            <a:avLst/>
-          </a:prstGeom>
-          <a:solidFill>
-            <a:schemeClr val="accent6">
-              <a:lumMod val="60000"/>
-              <a:lumOff val="40000"/>
-            </a:schemeClr>
-          </a:solidFill>
-          <a:ln>
-            <a:noFill/>
-          </a:ln>
-        </p:spPr>
-        <p:style>
-          <a:lnRef idx="2">
-            <a:schemeClr val="accent1">
-              <a:shade val="50000"/>
-            </a:schemeClr>
-          </a:lnRef>
-          <a:fillRef idx="1">
-            <a:schemeClr val="accent1"/>
-          </a:fillRef>
-          <a:effectRef idx="0">
-            <a:schemeClr val="accent1"/>
-          </a:effectRef>
-          <a:fontRef idx="minor">
-            <a:schemeClr val="lt1"/>
-          </a:fontRef>
-        </p:style>
-        <p:txBody>
-          <a:bodyPr rtlCol="0" anchor="ctr"/>
-          <a:lstStyle/>
-          <a:p>
-            <a:pPr algn="ctr"/>
-            <a:r>
-              <a:rPr lang="en-US" dirty="0"/>
-              <a:t>Config Service</a:t>
-            </a:r>
-          </a:p>
-        </p:txBody>
-      </p:sp>
-      <p:sp>
-        <p:nvSpPr>
-          <p:cNvPr id="29" name="Rectangle 28"/>
-          <p:cNvSpPr/>
-          <p:nvPr/>
-        </p:nvSpPr>
-        <p:spPr>
-          <a:xfrm>
-            <a:off x="3606798" y="3042167"/>
-            <a:ext cx="1499498" cy="518085"/>
-          </a:xfrm>
-          <a:prstGeom prst="rect">
-            <a:avLst/>
-          </a:prstGeom>
-          <a:solidFill>
-            <a:schemeClr val="tx2">
-              <a:lumMod val="75000"/>
-            </a:schemeClr>
-          </a:solidFill>
-          <a:ln>
-            <a:noFill/>
-          </a:ln>
-        </p:spPr>
-        <p:style>
-          <a:lnRef idx="2">
-            <a:schemeClr val="accent1">
-              <a:shade val="50000"/>
-            </a:schemeClr>
-          </a:lnRef>
-          <a:fillRef idx="1">
-            <a:schemeClr val="accent1"/>
-          </a:fillRef>
-          <a:effectRef idx="0">
-            <a:schemeClr val="accent1"/>
-          </a:effectRef>
-          <a:fontRef idx="minor">
-            <a:schemeClr val="lt1"/>
-          </a:fontRef>
-        </p:style>
-        <p:txBody>
-          <a:bodyPr rtlCol="0" anchor="ctr"/>
-          <a:lstStyle/>
-          <a:p>
-            <a:pPr algn="ctr"/>
-            <a:r>
-              <a:rPr lang="en-US" dirty="0">
-                <a:latin typeface="Lato" panose="020F0502020204030203" pitchFamily="34" charset="0"/>
-              </a:rPr>
-              <a:t>API Gateway</a:t>
-            </a:r>
-          </a:p>
-        </p:txBody>
-      </p:sp>
-      <p:cxnSp>
-        <p:nvCxnSpPr>
-          <p:cNvPr id="31" name="Straight Arrow Connector 30"/>
-          <p:cNvCxnSpPr>
-            <a:cxnSpLocks/>
-            <a:stCxn id="29" idx="3"/>
-            <a:endCxn id="11" idx="1"/>
-          </p:cNvCxnSpPr>
-          <p:nvPr/>
-        </p:nvCxnSpPr>
-        <p:spPr>
-          <a:xfrm>
-            <a:off x="5106296" y="3301210"/>
-            <a:ext cx="472199" cy="1"/>
-          </a:xfrm>
-          <a:prstGeom prst="straightConnector1">
-            <a:avLst/>
-          </a:prstGeom>
-          <a:ln>
-            <a:tailEnd type="triangle"/>
-          </a:ln>
-        </p:spPr>
-        <p:style>
-          <a:lnRef idx="1">
-            <a:schemeClr val="accent1"/>
-          </a:lnRef>
-          <a:fillRef idx="0">
-            <a:schemeClr val="accent1"/>
-          </a:fillRef>
-          <a:effectRef idx="0">
-            <a:schemeClr val="accent1"/>
-          </a:effectRef>
-          <a:fontRef idx="minor">
-            <a:schemeClr val="tx1"/>
-          </a:fontRef>
-        </p:style>
-      </p:cxnSp>
-      <p:sp>
-        <p:nvSpPr>
-          <p:cNvPr id="33" name="Rounded Rectangle 32"/>
-          <p:cNvSpPr/>
-          <p:nvPr/>
-        </p:nvSpPr>
-        <p:spPr>
-          <a:xfrm>
-            <a:off x="3936541" y="4660731"/>
-            <a:ext cx="1017738" cy="442099"/>
-          </a:xfrm>
-          <a:prstGeom prst="roundRect">
-            <a:avLst/>
-          </a:prstGeom>
-          <a:solidFill>
-            <a:srgbClr val="FF0000"/>
-          </a:solidFill>
-          <a:ln>
-            <a:noFill/>
-          </a:ln>
-        </p:spPr>
-        <p:style>
-          <a:lnRef idx="2">
-            <a:schemeClr val="accent1">
-              <a:shade val="50000"/>
-            </a:schemeClr>
-          </a:lnRef>
-          <a:fillRef idx="1">
-            <a:schemeClr val="accent1"/>
-          </a:fillRef>
-          <a:effectRef idx="0">
-            <a:schemeClr val="accent1"/>
-          </a:effectRef>
-          <a:fontRef idx="minor">
-            <a:schemeClr val="lt1"/>
-          </a:fontRef>
-        </p:style>
-        <p:txBody>
-          <a:bodyPr rtlCol="0" anchor="ctr"/>
-          <a:lstStyle/>
-          <a:p>
-            <a:pPr algn="ctr"/>
-            <a:r>
-              <a:rPr lang="en-US" dirty="0">
-                <a:latin typeface="Lato" panose="020F0502020204030203" pitchFamily="34" charset="0"/>
-              </a:rPr>
-              <a:t>GitLab</a:t>
-            </a:r>
-          </a:p>
-        </p:txBody>
-      </p:sp>
-      <p:cxnSp>
-        <p:nvCxnSpPr>
-          <p:cNvPr id="35" name="Straight Arrow Connector 34"/>
-          <p:cNvCxnSpPr>
-            <a:stCxn id="33" idx="3"/>
-            <a:endCxn id="28" idx="1"/>
-          </p:cNvCxnSpPr>
-          <p:nvPr/>
-        </p:nvCxnSpPr>
-        <p:spPr>
-          <a:xfrm>
-            <a:off x="4954279" y="4881781"/>
-            <a:ext cx="854911" cy="0"/>
-          </a:xfrm>
-          <a:prstGeom prst="straightConnector1">
-            <a:avLst/>
-          </a:prstGeom>
-          <a:ln>
-            <a:tailEnd type="triangle"/>
-          </a:ln>
-        </p:spPr>
-        <p:style>
-          <a:lnRef idx="1">
-            <a:schemeClr val="accent1"/>
-          </a:lnRef>
-          <a:fillRef idx="0">
-            <a:schemeClr val="accent1"/>
-          </a:fillRef>
-          <a:effectRef idx="0">
-            <a:schemeClr val="accent1"/>
-          </a:effectRef>
-          <a:fontRef idx="minor">
-            <a:schemeClr val="tx1"/>
-          </a:fontRef>
-        </p:style>
-      </p:cxnSp>
-      <p:sp>
-        <p:nvSpPr>
-          <p:cNvPr id="42" name="TextBox 41"/>
+          <p:cNvPr id="32" name="TextBox 31"/>
           <p:cNvSpPr txBox="1"/>
           <p:nvPr/>
         </p:nvSpPr>
         <p:spPr>
           <a:xfrm>
-            <a:off x="7196668" y="5491218"/>
-            <a:ext cx="1659300" cy="369332"/>
+            <a:off x="5697568" y="3318711"/>
+            <a:ext cx="1174424" cy="369332"/>
           </a:xfrm>
           <a:prstGeom prst="rect">
             <a:avLst/>
@@ -5292,51 +5078,21 @@
           <a:p>
             <a:r>
               <a:rPr lang="en-US" dirty="0"/>
-              <a:t>Service Registry</a:t>
-            </a:r>
-          </a:p>
-        </p:txBody>
-      </p:sp>
-      <p:pic>
-        <p:nvPicPr>
-          <p:cNvPr id="43" name="Picture 42" descr="Work Place Pc Screen · Free vector graphic on Pixabay"/>
-          <p:cNvPicPr>
-            <a:picLocks noChangeAspect="1"/>
-          </p:cNvPicPr>
-          <p:nvPr/>
-        </p:nvPicPr>
-        <p:blipFill>
-          <a:blip r:embed="rId2" cstate="print">
-            <a:extLst>
-              <a:ext uri="{28A0092B-C50C-407E-A947-70E740481C1C}">
-                <a14:useLocalDpi xmlns:a14="http://schemas.microsoft.com/office/drawing/2010/main" val="0"/>
-              </a:ext>
-            </a:extLst>
-          </a:blip>
-          <a:stretch>
-            <a:fillRect/>
-          </a:stretch>
-        </p:blipFill>
-        <p:spPr>
-          <a:xfrm>
-            <a:off x="591764" y="2854593"/>
-            <a:ext cx="1190977" cy="893233"/>
-          </a:xfrm>
-          <a:prstGeom prst="rect">
-            <a:avLst/>
-          </a:prstGeom>
-        </p:spPr>
-      </p:pic>
-      <p:sp>
-        <p:nvSpPr>
-          <p:cNvPr id="47" name="TextBox 46"/>
+              <a:t>Registered</a:t>
+            </a:r>
+          </a:p>
+        </p:txBody>
+      </p:sp>
+      <p:sp>
+        <p:nvSpPr>
+          <p:cNvPr id="33" name="TextBox 32"/>
           <p:cNvSpPr txBox="1"/>
           <p:nvPr/>
         </p:nvSpPr>
         <p:spPr>
           <a:xfrm>
-            <a:off x="691288" y="3747826"/>
-            <a:ext cx="725968" cy="369332"/>
+            <a:off x="8089105" y="5077766"/>
+            <a:ext cx="3512885" cy="369332"/>
           </a:xfrm>
           <a:prstGeom prst="rect">
             <a:avLst/>
@@ -5351,57 +5107,21 @@
           <a:p>
             <a:r>
               <a:rPr lang="en-US" dirty="0"/>
-              <a:t>Client</a:t>
-            </a:r>
-          </a:p>
-        </p:txBody>
-      </p:sp>
-      <p:cxnSp>
-        <p:nvCxnSpPr>
-          <p:cNvPr id="49" name="Straight Arrow Connector 48"/>
-          <p:cNvCxnSpPr>
-            <a:stCxn id="43" idx="3"/>
-            <a:endCxn id="29" idx="1"/>
-          </p:cNvCxnSpPr>
-          <p:nvPr/>
-        </p:nvCxnSpPr>
-        <p:spPr>
-          <a:xfrm>
-            <a:off x="1782741" y="3301210"/>
-            <a:ext cx="1824057" cy="0"/>
-          </a:xfrm>
-          <a:prstGeom prst="straightConnector1">
-            <a:avLst/>
-          </a:prstGeom>
-          <a:ln>
-            <a:tailEnd type="triangle"/>
-          </a:ln>
-        </p:spPr>
-        <p:style>
-          <a:lnRef idx="1">
-            <a:schemeClr val="accent1"/>
-          </a:lnRef>
-          <a:fillRef idx="0">
-            <a:schemeClr val="accent1"/>
-          </a:fillRef>
-          <a:effectRef idx="0">
-            <a:schemeClr val="accent1"/>
-          </a:effectRef>
-          <a:fontRef idx="minor">
-            <a:schemeClr val="tx1"/>
-          </a:fontRef>
-        </p:style>
-      </p:cxnSp>
-      <p:sp>
-        <p:nvSpPr>
-          <p:cNvPr id="51" name="TextBox 50"/>
+              <a:t>Track all the information of services</a:t>
+            </a:r>
+          </a:p>
+        </p:txBody>
+      </p:sp>
+      <p:sp>
+        <p:nvSpPr>
+          <p:cNvPr id="34" name="TextBox 33"/>
           <p:cNvSpPr txBox="1"/>
           <p:nvPr/>
         </p:nvSpPr>
         <p:spPr>
           <a:xfrm>
-            <a:off x="10849931" y="2522786"/>
-            <a:ext cx="898003" cy="369332"/>
+            <a:off x="8752202" y="5495664"/>
+            <a:ext cx="2186689" cy="369332"/>
           </a:xfrm>
           <a:prstGeom prst="rect">
             <a:avLst/>
@@ -5416,21 +5136,29 @@
           <a:p>
             <a:r>
               <a:rPr lang="en-US" dirty="0"/>
-              <a:t>My SQL</a:t>
-            </a:r>
-          </a:p>
-        </p:txBody>
-      </p:sp>
-      <p:sp>
-        <p:nvSpPr>
-          <p:cNvPr id="52" name="TextBox 51"/>
+              <a:t>http://</a:t>
+            </a:r>
+            <a:r>
+              <a:rPr lang="en-US" b="1" dirty="0"/>
+              <a:t>service-name</a:t>
+            </a:r>
+            <a:r>
+              <a:rPr lang="en-US" dirty="0"/>
+              <a:t>/</a:t>
+            </a:r>
+          </a:p>
+        </p:txBody>
+      </p:sp>
+      <p:sp>
+        <p:nvSpPr>
+          <p:cNvPr id="35" name="TextBox 34"/>
           <p:cNvSpPr txBox="1"/>
           <p:nvPr/>
         </p:nvSpPr>
         <p:spPr>
           <a:xfrm>
-            <a:off x="10849931" y="4222496"/>
-            <a:ext cx="1122423" cy="369332"/>
+            <a:off x="9107555" y="1345639"/>
+            <a:ext cx="1475981" cy="369332"/>
           </a:xfrm>
           <a:prstGeom prst="rect">
             <a:avLst/>
@@ -5445,153 +5173,79 @@
           <a:p>
             <a:r>
               <a:rPr lang="en-US" dirty="0"/>
-              <a:t>MongoDB</a:t>
-            </a:r>
-          </a:p>
-        </p:txBody>
-      </p:sp>
-      <p:cxnSp>
-        <p:nvCxnSpPr>
-          <p:cNvPr id="72" name="Straight Arrow Connector 71"/>
-          <p:cNvCxnSpPr>
-            <a:cxnSpLocks/>
-            <a:stCxn id="11" idx="1"/>
-            <a:endCxn id="18" idx="1"/>
-          </p:cNvCxnSpPr>
+              <a:t>Eureka Server</a:t>
+            </a:r>
+          </a:p>
+        </p:txBody>
+      </p:sp>
+      <p:sp>
+        <p:nvSpPr>
+          <p:cNvPr id="36" name="TextBox 35"/>
+          <p:cNvSpPr txBox="1"/>
           <p:nvPr/>
-        </p:nvCxnSpPr>
-        <p:spPr>
-          <a:xfrm>
-            <a:off x="5578495" y="3301211"/>
-            <a:ext cx="2096659" cy="560560"/>
-          </a:xfrm>
-          <a:prstGeom prst="straightConnector1">
+        </p:nvSpPr>
+        <p:spPr>
+          <a:xfrm>
+            <a:off x="1457864" y="2099825"/>
+            <a:ext cx="1416285" cy="369332"/>
+          </a:xfrm>
+          <a:prstGeom prst="rect">
             <a:avLst/>
           </a:prstGeom>
-          <a:ln>
-            <a:headEnd type="triangle"/>
-            <a:tailEnd type="triangle"/>
-          </a:ln>
-        </p:spPr>
-        <p:style>
-          <a:lnRef idx="1">
-            <a:schemeClr val="accent1"/>
-          </a:lnRef>
-          <a:fillRef idx="0">
-            <a:schemeClr val="accent1"/>
-          </a:fillRef>
-          <a:effectRef idx="0">
-            <a:schemeClr val="accent1"/>
-          </a:effectRef>
-          <a:fontRef idx="minor">
-            <a:schemeClr val="tx1"/>
-          </a:fontRef>
-        </p:style>
-      </p:cxnSp>
-      <p:sp>
-        <p:nvSpPr>
-          <p:cNvPr id="2" name="Title 1">
-            <a:extLst>
-              <a:ext uri="{FF2B5EF4-FFF2-40B4-BE49-F238E27FC236}">
-                <a16:creationId xmlns:a16="http://schemas.microsoft.com/office/drawing/2014/main" id="{915A468B-516A-1CEB-C328-F7F73EEDE1B5}"/>
-              </a:ext>
-            </a:extLst>
-          </p:cNvPr>
-          <p:cNvSpPr>
-            <a:spLocks noGrp="1"/>
-          </p:cNvSpPr>
-          <p:nvPr>
-            <p:ph type="title"/>
-          </p:nvPr>
-        </p:nvSpPr>
-        <p:spPr>
-          <a:xfrm>
-            <a:off x="136864" y="152873"/>
-            <a:ext cx="10515600" cy="626993"/>
-          </a:xfrm>
-        </p:spPr>
-        <p:txBody>
-          <a:bodyPr>
-            <a:normAutofit fontScale="90000"/>
+          <a:noFill/>
+        </p:spPr>
+        <p:txBody>
+          <a:bodyPr wrap="none" rtlCol="0">
+            <a:spAutoFit/>
           </a:bodyPr>
           <a:lstStyle/>
           <a:p>
             <a:r>
-              <a:rPr lang="en-US" u="sng" dirty="0">
-                <a:solidFill>
-                  <a:srgbClr val="FF0000"/>
-                </a:solidFill>
-                <a:latin typeface="Roboto" panose="02000000000000000000" pitchFamily="2" charset="0"/>
-                <a:ea typeface="Roboto" panose="02000000000000000000" pitchFamily="2" charset="0"/>
-                <a:cs typeface="Times New Roman" panose="02020603050405020304" pitchFamily="18" charset="0"/>
-              </a:rPr>
-              <a:t>Microservices</a:t>
-            </a:r>
-            <a:r>
-              <a:rPr lang="en-US" b="1" u="sng" dirty="0">
-                <a:solidFill>
-                  <a:srgbClr val="FF0000"/>
-                </a:solidFill>
-                <a:latin typeface="Roboto" panose="02000000000000000000" pitchFamily="2" charset="0"/>
-                <a:ea typeface="Roboto" panose="02000000000000000000" pitchFamily="2" charset="0"/>
-                <a:cs typeface="Times New Roman" panose="02020603050405020304" pitchFamily="18" charset="0"/>
-              </a:rPr>
-              <a:t> </a:t>
-            </a:r>
-            <a:endParaRPr lang="en-US" b="1" dirty="0">
-              <a:latin typeface="Lato" panose="020F0502020204030203" pitchFamily="34" charset="0"/>
-            </a:endParaRPr>
-          </a:p>
-        </p:txBody>
-      </p:sp>
-      <p:cxnSp>
-        <p:nvCxnSpPr>
-          <p:cNvPr id="17" name="Straight Arrow Connector 16">
-            <a:extLst>
-              <a:ext uri="{FF2B5EF4-FFF2-40B4-BE49-F238E27FC236}">
-                <a16:creationId xmlns:a16="http://schemas.microsoft.com/office/drawing/2014/main" id="{C5C92951-49F2-3F62-4D89-BE279AA94A0C}"/>
-              </a:ext>
-            </a:extLst>
-          </p:cNvPr>
-          <p:cNvCxnSpPr>
-            <a:cxnSpLocks/>
-            <a:stCxn id="11" idx="1"/>
-            <a:endCxn id="12" idx="1"/>
-          </p:cNvCxnSpPr>
+              <a:rPr lang="en-US" dirty="0"/>
+              <a:t>Eureka Client</a:t>
+            </a:r>
+          </a:p>
+        </p:txBody>
+      </p:sp>
+      <p:sp>
+        <p:nvSpPr>
+          <p:cNvPr id="4" name="TextBox 3">
+            <a:extLst>
+              <a:ext uri="{FF2B5EF4-FFF2-40B4-BE49-F238E27FC236}">
+                <a16:creationId xmlns:a16="http://schemas.microsoft.com/office/drawing/2014/main" id="{E00F19B7-3E81-C1B9-2CD0-51828DE1B224}"/>
+              </a:ext>
+            </a:extLst>
+          </p:cNvPr>
+          <p:cNvSpPr txBox="1"/>
           <p:nvPr/>
-        </p:nvCxnSpPr>
-        <p:spPr>
-          <a:xfrm flipV="1">
-            <a:off x="5578495" y="2132237"/>
-            <a:ext cx="2060147" cy="1168974"/>
-          </a:xfrm>
-          <a:prstGeom prst="straightConnector1">
+        </p:nvSpPr>
+        <p:spPr>
+          <a:xfrm>
+            <a:off x="1550252" y="4541709"/>
+            <a:ext cx="1416285" cy="369332"/>
+          </a:xfrm>
+          <a:prstGeom prst="rect">
             <a:avLst/>
           </a:prstGeom>
-          <a:ln>
-            <a:headEnd type="triangle"/>
-            <a:tailEnd type="triangle"/>
-          </a:ln>
-        </p:spPr>
-        <p:style>
-          <a:lnRef idx="1">
-            <a:schemeClr val="accent1"/>
-          </a:lnRef>
-          <a:fillRef idx="0">
-            <a:schemeClr val="accent1"/>
-          </a:fillRef>
-          <a:effectRef idx="0">
-            <a:schemeClr val="accent1"/>
-          </a:effectRef>
-          <a:fontRef idx="minor">
-            <a:schemeClr val="tx1"/>
-          </a:fontRef>
-        </p:style>
-      </p:cxnSp>
+          <a:noFill/>
+        </p:spPr>
+        <p:txBody>
+          <a:bodyPr wrap="none" rtlCol="0">
+            <a:spAutoFit/>
+          </a:bodyPr>
+          <a:lstStyle/>
+          <a:p>
+            <a:r>
+              <a:rPr lang="en-US" dirty="0"/>
+              <a:t>Eureka Client</a:t>
+            </a:r>
+          </a:p>
+        </p:txBody>
+      </p:sp>
     </p:spTree>
     <p:extLst>
       <p:ext uri="{BB962C8B-B14F-4D97-AF65-F5344CB8AC3E}">
-        <p14:creationId xmlns:p14="http://schemas.microsoft.com/office/powerpoint/2010/main" val="3124380279"/>
+        <p14:creationId xmlns:p14="http://schemas.microsoft.com/office/powerpoint/2010/main" val="2298711232"/>
       </p:ext>
     </p:extLst>
   </p:cSld>
@@ -5620,71 +5274,31 @@
       </p:grpSpPr>
       <p:sp>
         <p:nvSpPr>
-          <p:cNvPr id="2" name="Title 1"/>
-          <p:cNvSpPr>
-            <a:spLocks noGrp="1"/>
-          </p:cNvSpPr>
-          <p:nvPr>
-            <p:ph type="title"/>
-          </p:nvPr>
-        </p:nvSpPr>
-        <p:spPr>
-          <a:xfrm>
-            <a:off x="332000" y="222486"/>
-            <a:ext cx="5084298" cy="823866"/>
-          </a:xfrm>
-        </p:spPr>
-        <p:txBody>
-          <a:bodyPr/>
-          <a:lstStyle/>
-          <a:p>
-            <a:r>
-              <a:rPr lang="en-US" u="sng" dirty="0">
-                <a:solidFill>
-                  <a:srgbClr val="FF0000"/>
-                </a:solidFill>
-                <a:latin typeface="Roboto" panose="02000000000000000000" pitchFamily="2" charset="0"/>
-                <a:ea typeface="Roboto" panose="02000000000000000000" pitchFamily="2" charset="0"/>
-                <a:cs typeface="Times New Roman" panose="02020603050405020304" pitchFamily="18" charset="0"/>
-              </a:rPr>
-              <a:t>Service Registry</a:t>
-            </a:r>
-            <a:endParaRPr lang="en-US" b="1" dirty="0">
-              <a:latin typeface="Lato" panose="020F0502020204030203" pitchFamily="34" charset="0"/>
-            </a:endParaRPr>
-          </a:p>
-        </p:txBody>
-      </p:sp>
-      <p:sp>
-        <p:nvSpPr>
-          <p:cNvPr id="11" name="Oval 10"/>
+          <p:cNvPr id="11" name="Rectangle 10"/>
           <p:cNvSpPr/>
           <p:nvPr/>
         </p:nvSpPr>
         <p:spPr>
           <a:xfrm>
-            <a:off x="8249582" y="1828800"/>
-            <a:ext cx="3191933" cy="3200400"/>
-          </a:xfrm>
-          <a:prstGeom prst="ellipse">
+            <a:off x="5578495" y="1259956"/>
+            <a:ext cx="4541752" cy="4082509"/>
+          </a:xfrm>
+          <a:prstGeom prst="rect">
             <a:avLst/>
           </a:prstGeom>
-          <a:ln/>
         </p:spPr>
         <p:style>
           <a:lnRef idx="2">
-            <a:schemeClr val="accent6">
-              <a:shade val="50000"/>
-            </a:schemeClr>
+            <a:schemeClr val="accent2"/>
           </a:lnRef>
           <a:fillRef idx="1">
-            <a:schemeClr val="accent6"/>
+            <a:schemeClr val="lt1"/>
           </a:fillRef>
           <a:effectRef idx="0">
-            <a:schemeClr val="accent6"/>
+            <a:schemeClr val="accent2"/>
           </a:effectRef>
           <a:fontRef idx="minor">
-            <a:schemeClr val="lt1"/>
+            <a:schemeClr val="dk1"/>
           </a:fontRef>
         </p:style>
         <p:txBody>
@@ -5692,27 +5306,20 @@
           <a:lstStyle/>
           <a:p>
             <a:pPr algn="ctr"/>
-            <a:r>
-              <a:rPr lang="en-US" dirty="0">
-                <a:solidFill>
-                  <a:srgbClr val="FF0000"/>
-                </a:solidFill>
-              </a:rPr>
-              <a:t>Service Registry</a:t>
-            </a:r>
-          </a:p>
-        </p:txBody>
-      </p:sp>
-      <p:sp>
-        <p:nvSpPr>
-          <p:cNvPr id="18" name="Rectangle 17"/>
+            <a:endParaRPr lang="en-US" dirty="0"/>
+          </a:p>
+        </p:txBody>
+      </p:sp>
+      <p:sp>
+        <p:nvSpPr>
+          <p:cNvPr id="12" name="Rectangle 11"/>
           <p:cNvSpPr/>
           <p:nvPr/>
         </p:nvSpPr>
         <p:spPr>
           <a:xfrm>
-            <a:off x="2946400" y="2049953"/>
-            <a:ext cx="1770020" cy="518085"/>
+            <a:off x="7638642" y="1873194"/>
+            <a:ext cx="1983660" cy="518085"/>
           </a:xfrm>
           <a:prstGeom prst="rect">
             <a:avLst/>
@@ -5756,14 +5363,14 @@
       </p:sp>
       <p:sp>
         <p:nvSpPr>
-          <p:cNvPr id="19" name="Rectangle 18"/>
+          <p:cNvPr id="18" name="Rectangle 17"/>
           <p:cNvSpPr/>
           <p:nvPr/>
         </p:nvSpPr>
         <p:spPr>
           <a:xfrm>
-            <a:off x="2966537" y="4467333"/>
-            <a:ext cx="1930671" cy="518085"/>
+            <a:off x="7675154" y="3602728"/>
+            <a:ext cx="1947148" cy="518085"/>
           </a:xfrm>
           <a:prstGeom prst="rect">
             <a:avLst/>
@@ -5807,97 +5414,128 @@
       </p:sp>
       <p:sp>
         <p:nvSpPr>
-          <p:cNvPr id="12" name="TextBox 11"/>
-          <p:cNvSpPr txBox="1"/>
+          <p:cNvPr id="15" name="Flowchart: Magnetic Disk 14"/>
+          <p:cNvSpPr/>
           <p:nvPr/>
         </p:nvSpPr>
         <p:spPr>
           <a:xfrm>
-            <a:off x="2791996" y="1637505"/>
-            <a:ext cx="2792175" cy="369332"/>
-          </a:xfrm>
-          <a:prstGeom prst="rect">
+            <a:off x="10944206" y="1734488"/>
+            <a:ext cx="656030" cy="815120"/>
+          </a:xfrm>
+          <a:prstGeom prst="flowChartMagneticDisk">
             <a:avLst/>
           </a:prstGeom>
-          <a:noFill/>
-        </p:spPr>
-        <p:txBody>
-          <a:bodyPr wrap="none" rtlCol="0">
-            <a:spAutoFit/>
-          </a:bodyPr>
-          <a:lstStyle/>
-          <a:p>
-            <a:r>
-              <a:rPr lang="en-US" dirty="0"/>
-              <a:t>http://</a:t>
-            </a:r>
-            <a:r>
-              <a:rPr lang="en-US" b="1" dirty="0"/>
-              <a:t>192.168.41.01</a:t>
-            </a:r>
-            <a:r>
-              <a:rPr lang="en-US" dirty="0"/>
-              <a:t>:9091/</a:t>
-            </a:r>
-          </a:p>
-        </p:txBody>
-      </p:sp>
-      <p:sp>
-        <p:nvSpPr>
-          <p:cNvPr id="21" name="TextBox 20"/>
-          <p:cNvSpPr txBox="1"/>
+          <a:solidFill>
+            <a:schemeClr val="accent2">
+              <a:lumMod val="75000"/>
+            </a:schemeClr>
+          </a:solidFill>
+          <a:ln>
+            <a:solidFill>
+              <a:schemeClr val="bg1"/>
+            </a:solidFill>
+          </a:ln>
+        </p:spPr>
+        <p:style>
+          <a:lnRef idx="2">
+            <a:schemeClr val="accent1">
+              <a:shade val="50000"/>
+            </a:schemeClr>
+          </a:lnRef>
+          <a:fillRef idx="1">
+            <a:schemeClr val="accent1"/>
+          </a:fillRef>
+          <a:effectRef idx="0">
+            <a:schemeClr val="accent1"/>
+          </a:effectRef>
+          <a:fontRef idx="minor">
+            <a:schemeClr val="lt1"/>
+          </a:fontRef>
+        </p:style>
+        <p:txBody>
+          <a:bodyPr rtlCol="0" anchor="ctr"/>
+          <a:lstStyle/>
+          <a:p>
+            <a:pPr algn="ctr"/>
+            <a:endParaRPr lang="en-US" dirty="0">
+              <a:latin typeface="Lato" panose="020F0502020204030203" pitchFamily="34" charset="0"/>
+            </a:endParaRPr>
+          </a:p>
+        </p:txBody>
+      </p:sp>
+      <p:sp>
+        <p:nvSpPr>
+          <p:cNvPr id="20" name="Flowchart: Magnetic Disk 19"/>
+          <p:cNvSpPr/>
           <p:nvPr/>
         </p:nvSpPr>
         <p:spPr>
           <a:xfrm>
-            <a:off x="2678931" y="3983572"/>
-            <a:ext cx="2792175" cy="369332"/>
-          </a:xfrm>
-          <a:prstGeom prst="rect">
+            <a:off x="10944206" y="3454210"/>
+            <a:ext cx="656030" cy="815120"/>
+          </a:xfrm>
+          <a:prstGeom prst="flowChartMagneticDisk">
             <a:avLst/>
           </a:prstGeom>
-          <a:noFill/>
-        </p:spPr>
-        <p:txBody>
-          <a:bodyPr wrap="none" rtlCol="0">
-            <a:spAutoFit/>
-          </a:bodyPr>
-          <a:lstStyle/>
-          <a:p>
-            <a:r>
-              <a:rPr lang="en-US" dirty="0"/>
-              <a:t>http://</a:t>
-            </a:r>
-            <a:r>
-              <a:rPr lang="en-US" b="1" dirty="0"/>
-              <a:t>192.168.41.02</a:t>
-            </a:r>
-            <a:r>
-              <a:rPr lang="en-US" dirty="0"/>
-              <a:t>:8080/</a:t>
-            </a:r>
+          <a:solidFill>
+            <a:schemeClr val="accent2">
+              <a:lumMod val="75000"/>
+            </a:schemeClr>
+          </a:solidFill>
+          <a:ln>
+            <a:solidFill>
+              <a:schemeClr val="bg1"/>
+            </a:solidFill>
+          </a:ln>
+        </p:spPr>
+        <p:style>
+          <a:lnRef idx="2">
+            <a:schemeClr val="accent1">
+              <a:shade val="50000"/>
+            </a:schemeClr>
+          </a:lnRef>
+          <a:fillRef idx="1">
+            <a:schemeClr val="accent1"/>
+          </a:fillRef>
+          <a:effectRef idx="0">
+            <a:schemeClr val="accent1"/>
+          </a:effectRef>
+          <a:fontRef idx="minor">
+            <a:schemeClr val="lt1"/>
+          </a:fontRef>
+        </p:style>
+        <p:txBody>
+          <a:bodyPr rtlCol="0" anchor="ctr"/>
+          <a:lstStyle/>
+          <a:p>
+            <a:pPr algn="ctr"/>
+            <a:endParaRPr lang="en-US" dirty="0">
+              <a:latin typeface="Lato" panose="020F0502020204030203" pitchFamily="34" charset="0"/>
+            </a:endParaRPr>
           </a:p>
         </p:txBody>
       </p:sp>
       <p:cxnSp>
         <p:nvCxnSpPr>
-          <p:cNvPr id="23" name="Straight Arrow Connector 22"/>
+          <p:cNvPr id="25" name="Straight Arrow Connector 24"/>
           <p:cNvCxnSpPr>
             <a:cxnSpLocks/>
-            <a:stCxn id="18" idx="3"/>
-            <a:endCxn id="11" idx="2"/>
+            <a:stCxn id="12" idx="3"/>
+            <a:endCxn id="15" idx="2"/>
           </p:cNvCxnSpPr>
           <p:nvPr/>
         </p:nvCxnSpPr>
         <p:spPr>
           <a:xfrm>
-            <a:off x="4716420" y="2308996"/>
-            <a:ext cx="3533162" cy="1120004"/>
+            <a:off x="9622302" y="2132237"/>
+            <a:ext cx="1321904" cy="9811"/>
           </a:xfrm>
           <a:prstGeom prst="straightConnector1">
             <a:avLst/>
           </a:prstGeom>
           <a:ln>
+            <a:headEnd type="triangle"/>
             <a:tailEnd type="triangle"/>
           </a:ln>
         </p:spPr>
@@ -5918,23 +5556,24 @@
       </p:cxnSp>
       <p:cxnSp>
         <p:nvCxnSpPr>
-          <p:cNvPr id="25" name="Straight Arrow Connector 24"/>
+          <p:cNvPr id="26" name="Straight Arrow Connector 25"/>
           <p:cNvCxnSpPr>
             <a:cxnSpLocks/>
-            <a:stCxn id="19" idx="3"/>
-            <a:endCxn id="11" idx="2"/>
+            <a:stCxn id="18" idx="3"/>
+            <a:endCxn id="20" idx="2"/>
           </p:cNvCxnSpPr>
           <p:nvPr/>
         </p:nvCxnSpPr>
         <p:spPr>
           <a:xfrm flipV="1">
-            <a:off x="4897208" y="3429000"/>
-            <a:ext cx="3352374" cy="1297376"/>
+            <a:off x="9622302" y="3861770"/>
+            <a:ext cx="1321904" cy="1"/>
           </a:xfrm>
           <a:prstGeom prst="straightConnector1">
             <a:avLst/>
           </a:prstGeom>
           <a:ln>
+            <a:headEnd type="triangle"/>
             <a:tailEnd type="triangle"/>
           </a:ln>
         </p:spPr>
@@ -5955,14 +5594,243 @@
       </p:cxnSp>
       <p:sp>
         <p:nvSpPr>
-          <p:cNvPr id="32" name="TextBox 31"/>
+          <p:cNvPr id="28" name="Rectangle 27"/>
+          <p:cNvSpPr/>
+          <p:nvPr/>
+        </p:nvSpPr>
+        <p:spPr>
+          <a:xfrm>
+            <a:off x="5809190" y="4622738"/>
+            <a:ext cx="1499498" cy="518085"/>
+          </a:xfrm>
+          <a:prstGeom prst="rect">
+            <a:avLst/>
+          </a:prstGeom>
+          <a:solidFill>
+            <a:schemeClr val="accent6">
+              <a:lumMod val="60000"/>
+              <a:lumOff val="40000"/>
+            </a:schemeClr>
+          </a:solidFill>
+          <a:ln>
+            <a:noFill/>
+          </a:ln>
+        </p:spPr>
+        <p:style>
+          <a:lnRef idx="2">
+            <a:schemeClr val="accent1">
+              <a:shade val="50000"/>
+            </a:schemeClr>
+          </a:lnRef>
+          <a:fillRef idx="1">
+            <a:schemeClr val="accent1"/>
+          </a:fillRef>
+          <a:effectRef idx="0">
+            <a:schemeClr val="accent1"/>
+          </a:effectRef>
+          <a:fontRef idx="minor">
+            <a:schemeClr val="lt1"/>
+          </a:fontRef>
+        </p:style>
+        <p:txBody>
+          <a:bodyPr rtlCol="0" anchor="ctr"/>
+          <a:lstStyle/>
+          <a:p>
+            <a:pPr algn="ctr"/>
+            <a:r>
+              <a:rPr lang="en-US" dirty="0"/>
+              <a:t>Config Service</a:t>
+            </a:r>
+          </a:p>
+        </p:txBody>
+      </p:sp>
+      <p:sp>
+        <p:nvSpPr>
+          <p:cNvPr id="29" name="Rectangle 28"/>
+          <p:cNvSpPr/>
+          <p:nvPr/>
+        </p:nvSpPr>
+        <p:spPr>
+          <a:xfrm>
+            <a:off x="3606798" y="3042167"/>
+            <a:ext cx="1499498" cy="518085"/>
+          </a:xfrm>
+          <a:prstGeom prst="rect">
+            <a:avLst/>
+          </a:prstGeom>
+          <a:solidFill>
+            <a:schemeClr val="tx2">
+              <a:lumMod val="75000"/>
+            </a:schemeClr>
+          </a:solidFill>
+          <a:ln>
+            <a:noFill/>
+          </a:ln>
+        </p:spPr>
+        <p:style>
+          <a:lnRef idx="2">
+            <a:schemeClr val="accent1">
+              <a:shade val="50000"/>
+            </a:schemeClr>
+          </a:lnRef>
+          <a:fillRef idx="1">
+            <a:schemeClr val="accent1"/>
+          </a:fillRef>
+          <a:effectRef idx="0">
+            <a:schemeClr val="accent1"/>
+          </a:effectRef>
+          <a:fontRef idx="minor">
+            <a:schemeClr val="lt1"/>
+          </a:fontRef>
+        </p:style>
+        <p:txBody>
+          <a:bodyPr rtlCol="0" anchor="ctr"/>
+          <a:lstStyle/>
+          <a:p>
+            <a:pPr algn="ctr"/>
+            <a:r>
+              <a:rPr lang="en-US" dirty="0">
+                <a:latin typeface="Lato" panose="020F0502020204030203" pitchFamily="34" charset="0"/>
+              </a:rPr>
+              <a:t>API Gateway</a:t>
+            </a:r>
+          </a:p>
+        </p:txBody>
+      </p:sp>
+      <p:cxnSp>
+        <p:nvCxnSpPr>
+          <p:cNvPr id="31" name="Straight Arrow Connector 30"/>
+          <p:cNvCxnSpPr>
+            <a:cxnSpLocks/>
+            <a:stCxn id="29" idx="3"/>
+            <a:endCxn id="11" idx="1"/>
+          </p:cNvCxnSpPr>
+          <p:nvPr/>
+        </p:nvCxnSpPr>
+        <p:spPr>
+          <a:xfrm>
+            <a:off x="5106296" y="3301210"/>
+            <a:ext cx="472199" cy="1"/>
+          </a:xfrm>
+          <a:prstGeom prst="straightConnector1">
+            <a:avLst/>
+          </a:prstGeom>
+          <a:ln>
+            <a:tailEnd type="triangle"/>
+          </a:ln>
+        </p:spPr>
+        <p:style>
+          <a:lnRef idx="1">
+            <a:schemeClr val="accent1"/>
+          </a:lnRef>
+          <a:fillRef idx="0">
+            <a:schemeClr val="accent1"/>
+          </a:fillRef>
+          <a:effectRef idx="0">
+            <a:schemeClr val="accent1"/>
+          </a:effectRef>
+          <a:fontRef idx="minor">
+            <a:schemeClr val="tx1"/>
+          </a:fontRef>
+        </p:style>
+      </p:cxnSp>
+      <p:sp>
+        <p:nvSpPr>
+          <p:cNvPr id="33" name="Rounded Rectangle 32"/>
+          <p:cNvSpPr/>
+          <p:nvPr/>
+        </p:nvSpPr>
+        <p:spPr>
+          <a:xfrm>
+            <a:off x="3936541" y="4660731"/>
+            <a:ext cx="1017738" cy="442099"/>
+          </a:xfrm>
+          <a:prstGeom prst="roundRect">
+            <a:avLst/>
+          </a:prstGeom>
+          <a:solidFill>
+            <a:srgbClr val="FF0000"/>
+          </a:solidFill>
+          <a:ln>
+            <a:noFill/>
+          </a:ln>
+        </p:spPr>
+        <p:style>
+          <a:lnRef idx="2">
+            <a:schemeClr val="accent1">
+              <a:shade val="50000"/>
+            </a:schemeClr>
+          </a:lnRef>
+          <a:fillRef idx="1">
+            <a:schemeClr val="accent1"/>
+          </a:fillRef>
+          <a:effectRef idx="0">
+            <a:schemeClr val="accent1"/>
+          </a:effectRef>
+          <a:fontRef idx="minor">
+            <a:schemeClr val="lt1"/>
+          </a:fontRef>
+        </p:style>
+        <p:txBody>
+          <a:bodyPr rtlCol="0" anchor="ctr"/>
+          <a:lstStyle/>
+          <a:p>
+            <a:pPr algn="ctr"/>
+            <a:r>
+              <a:rPr lang="en-US" dirty="0">
+                <a:latin typeface="Lato" panose="020F0502020204030203" pitchFamily="34" charset="0"/>
+              </a:rPr>
+              <a:t>GitLab</a:t>
+            </a:r>
+          </a:p>
+        </p:txBody>
+      </p:sp>
+      <p:cxnSp>
+        <p:nvCxnSpPr>
+          <p:cNvPr id="35" name="Straight Arrow Connector 34"/>
+          <p:cNvCxnSpPr>
+            <a:stCxn id="33" idx="3"/>
+            <a:endCxn id="28" idx="1"/>
+          </p:cNvCxnSpPr>
+          <p:nvPr/>
+        </p:nvCxnSpPr>
+        <p:spPr>
+          <a:xfrm>
+            <a:off x="4954279" y="4881781"/>
+            <a:ext cx="854911" cy="0"/>
+          </a:xfrm>
+          <a:prstGeom prst="straightConnector1">
+            <a:avLst/>
+          </a:prstGeom>
+          <a:ln>
+            <a:tailEnd type="triangle"/>
+          </a:ln>
+        </p:spPr>
+        <p:style>
+          <a:lnRef idx="1">
+            <a:schemeClr val="accent1"/>
+          </a:lnRef>
+          <a:fillRef idx="0">
+            <a:schemeClr val="accent1"/>
+          </a:fillRef>
+          <a:effectRef idx="0">
+            <a:schemeClr val="accent1"/>
+          </a:effectRef>
+          <a:fontRef idx="minor">
+            <a:schemeClr val="tx1"/>
+          </a:fontRef>
+        </p:style>
+      </p:cxnSp>
+      <p:sp>
+        <p:nvSpPr>
+          <p:cNvPr id="42" name="TextBox 41"/>
           <p:cNvSpPr txBox="1"/>
           <p:nvPr/>
         </p:nvSpPr>
         <p:spPr>
           <a:xfrm>
-            <a:off x="5697568" y="3318711"/>
-            <a:ext cx="1174424" cy="369332"/>
+            <a:off x="7196668" y="5491218"/>
+            <a:ext cx="1659300" cy="369332"/>
           </a:xfrm>
           <a:prstGeom prst="rect">
             <a:avLst/>
@@ -5977,21 +5845,51 @@
           <a:p>
             <a:r>
               <a:rPr lang="en-US" dirty="0"/>
-              <a:t>Registered</a:t>
-            </a:r>
-          </a:p>
-        </p:txBody>
-      </p:sp>
-      <p:sp>
-        <p:nvSpPr>
-          <p:cNvPr id="33" name="TextBox 32"/>
+              <a:t>Service Registry</a:t>
+            </a:r>
+          </a:p>
+        </p:txBody>
+      </p:sp>
+      <p:pic>
+        <p:nvPicPr>
+          <p:cNvPr id="43" name="Picture 42" descr="Work Place Pc Screen · Free vector graphic on Pixabay"/>
+          <p:cNvPicPr>
+            <a:picLocks noChangeAspect="1"/>
+          </p:cNvPicPr>
+          <p:nvPr/>
+        </p:nvPicPr>
+        <p:blipFill>
+          <a:blip r:embed="rId2" cstate="print">
+            <a:extLst>
+              <a:ext uri="{28A0092B-C50C-407E-A947-70E740481C1C}">
+                <a14:useLocalDpi xmlns:a14="http://schemas.microsoft.com/office/drawing/2010/main" val="0"/>
+              </a:ext>
+            </a:extLst>
+          </a:blip>
+          <a:stretch>
+            <a:fillRect/>
+          </a:stretch>
+        </p:blipFill>
+        <p:spPr>
+          <a:xfrm>
+            <a:off x="591764" y="2854593"/>
+            <a:ext cx="1190977" cy="893233"/>
+          </a:xfrm>
+          <a:prstGeom prst="rect">
+            <a:avLst/>
+          </a:prstGeom>
+        </p:spPr>
+      </p:pic>
+      <p:sp>
+        <p:nvSpPr>
+          <p:cNvPr id="47" name="TextBox 46"/>
           <p:cNvSpPr txBox="1"/>
           <p:nvPr/>
         </p:nvSpPr>
         <p:spPr>
           <a:xfrm>
-            <a:off x="8089105" y="5077766"/>
-            <a:ext cx="3512885" cy="369332"/>
+            <a:off x="691288" y="3747826"/>
+            <a:ext cx="725968" cy="369332"/>
           </a:xfrm>
           <a:prstGeom prst="rect">
             <a:avLst/>
@@ -6006,21 +5904,57 @@
           <a:p>
             <a:r>
               <a:rPr lang="en-US" dirty="0"/>
-              <a:t>Track all the information of services</a:t>
-            </a:r>
-          </a:p>
-        </p:txBody>
-      </p:sp>
-      <p:sp>
-        <p:nvSpPr>
-          <p:cNvPr id="34" name="TextBox 33"/>
+              <a:t>Client</a:t>
+            </a:r>
+          </a:p>
+        </p:txBody>
+      </p:sp>
+      <p:cxnSp>
+        <p:nvCxnSpPr>
+          <p:cNvPr id="49" name="Straight Arrow Connector 48"/>
+          <p:cNvCxnSpPr>
+            <a:stCxn id="43" idx="3"/>
+            <a:endCxn id="29" idx="1"/>
+          </p:cNvCxnSpPr>
+          <p:nvPr/>
+        </p:nvCxnSpPr>
+        <p:spPr>
+          <a:xfrm>
+            <a:off x="1782741" y="3301210"/>
+            <a:ext cx="1824057" cy="0"/>
+          </a:xfrm>
+          <a:prstGeom prst="straightConnector1">
+            <a:avLst/>
+          </a:prstGeom>
+          <a:ln>
+            <a:tailEnd type="triangle"/>
+          </a:ln>
+        </p:spPr>
+        <p:style>
+          <a:lnRef idx="1">
+            <a:schemeClr val="accent1"/>
+          </a:lnRef>
+          <a:fillRef idx="0">
+            <a:schemeClr val="accent1"/>
+          </a:fillRef>
+          <a:effectRef idx="0">
+            <a:schemeClr val="accent1"/>
+          </a:effectRef>
+          <a:fontRef idx="minor">
+            <a:schemeClr val="tx1"/>
+          </a:fontRef>
+        </p:style>
+      </p:cxnSp>
+      <p:sp>
+        <p:nvSpPr>
+          <p:cNvPr id="51" name="TextBox 50"/>
           <p:cNvSpPr txBox="1"/>
           <p:nvPr/>
         </p:nvSpPr>
         <p:spPr>
           <a:xfrm>
-            <a:off x="8752202" y="5495664"/>
-            <a:ext cx="2186689" cy="369332"/>
+            <a:off x="10849931" y="2522786"/>
+            <a:ext cx="898003" cy="369332"/>
           </a:xfrm>
           <a:prstGeom prst="rect">
             <a:avLst/>
@@ -6035,29 +5969,21 @@
           <a:p>
             <a:r>
               <a:rPr lang="en-US" dirty="0"/>
-              <a:t>http://</a:t>
-            </a:r>
-            <a:r>
-              <a:rPr lang="en-US" b="1" dirty="0"/>
-              <a:t>service-name</a:t>
-            </a:r>
-            <a:r>
-              <a:rPr lang="en-US" dirty="0"/>
-              <a:t>/</a:t>
-            </a:r>
-          </a:p>
-        </p:txBody>
-      </p:sp>
-      <p:sp>
-        <p:nvSpPr>
-          <p:cNvPr id="35" name="TextBox 34"/>
+              <a:t>My SQL</a:t>
+            </a:r>
+          </a:p>
+        </p:txBody>
+      </p:sp>
+      <p:sp>
+        <p:nvSpPr>
+          <p:cNvPr id="52" name="TextBox 51"/>
           <p:cNvSpPr txBox="1"/>
           <p:nvPr/>
         </p:nvSpPr>
         <p:spPr>
           <a:xfrm>
-            <a:off x="9107555" y="1345639"/>
-            <a:ext cx="1475981" cy="369332"/>
+            <a:off x="10849931" y="4222496"/>
+            <a:ext cx="1122423" cy="369332"/>
           </a:xfrm>
           <a:prstGeom prst="rect">
             <a:avLst/>
@@ -6072,79 +5998,153 @@
           <a:p>
             <a:r>
               <a:rPr lang="en-US" dirty="0"/>
-              <a:t>Eureka Server</a:t>
-            </a:r>
-          </a:p>
-        </p:txBody>
-      </p:sp>
-      <p:sp>
-        <p:nvSpPr>
-          <p:cNvPr id="36" name="TextBox 35"/>
-          <p:cNvSpPr txBox="1"/>
+              <a:t>MongoDB</a:t>
+            </a:r>
+          </a:p>
+        </p:txBody>
+      </p:sp>
+      <p:cxnSp>
+        <p:nvCxnSpPr>
+          <p:cNvPr id="72" name="Straight Arrow Connector 71"/>
+          <p:cNvCxnSpPr>
+            <a:cxnSpLocks/>
+            <a:stCxn id="11" idx="1"/>
+            <a:endCxn id="18" idx="1"/>
+          </p:cNvCxnSpPr>
           <p:nvPr/>
-        </p:nvSpPr>
-        <p:spPr>
-          <a:xfrm>
-            <a:off x="1457864" y="2099825"/>
-            <a:ext cx="1416285" cy="369332"/>
-          </a:xfrm>
-          <a:prstGeom prst="rect">
+        </p:nvCxnSpPr>
+        <p:spPr>
+          <a:xfrm>
+            <a:off x="5578495" y="3301211"/>
+            <a:ext cx="2096659" cy="560560"/>
+          </a:xfrm>
+          <a:prstGeom prst="straightConnector1">
             <a:avLst/>
           </a:prstGeom>
-          <a:noFill/>
-        </p:spPr>
-        <p:txBody>
-          <a:bodyPr wrap="none" rtlCol="0">
-            <a:spAutoFit/>
+          <a:ln>
+            <a:headEnd type="triangle"/>
+            <a:tailEnd type="triangle"/>
+          </a:ln>
+        </p:spPr>
+        <p:style>
+          <a:lnRef idx="1">
+            <a:schemeClr val="accent1"/>
+          </a:lnRef>
+          <a:fillRef idx="0">
+            <a:schemeClr val="accent1"/>
+          </a:fillRef>
+          <a:effectRef idx="0">
+            <a:schemeClr val="accent1"/>
+          </a:effectRef>
+          <a:fontRef idx="minor">
+            <a:schemeClr val="tx1"/>
+          </a:fontRef>
+        </p:style>
+      </p:cxnSp>
+      <p:sp>
+        <p:nvSpPr>
+          <p:cNvPr id="2" name="Title 1">
+            <a:extLst>
+              <a:ext uri="{FF2B5EF4-FFF2-40B4-BE49-F238E27FC236}">
+                <a16:creationId xmlns:a16="http://schemas.microsoft.com/office/drawing/2014/main" id="{915A468B-516A-1CEB-C328-F7F73EEDE1B5}"/>
+              </a:ext>
+            </a:extLst>
+          </p:cNvPr>
+          <p:cNvSpPr>
+            <a:spLocks noGrp="1"/>
+          </p:cNvSpPr>
+          <p:nvPr>
+            <p:ph type="title"/>
+          </p:nvPr>
+        </p:nvSpPr>
+        <p:spPr>
+          <a:xfrm>
+            <a:off x="136864" y="152873"/>
+            <a:ext cx="10515600" cy="626993"/>
+          </a:xfrm>
+        </p:spPr>
+        <p:txBody>
+          <a:bodyPr>
+            <a:normAutofit fontScale="90000"/>
           </a:bodyPr>
           <a:lstStyle/>
           <a:p>
             <a:r>
-              <a:rPr lang="en-US" dirty="0"/>
-              <a:t>Eureka Client</a:t>
-            </a:r>
-          </a:p>
-        </p:txBody>
-      </p:sp>
-      <p:sp>
-        <p:nvSpPr>
-          <p:cNvPr id="4" name="TextBox 3">
-            <a:extLst>
-              <a:ext uri="{FF2B5EF4-FFF2-40B4-BE49-F238E27FC236}">
-                <a16:creationId xmlns:a16="http://schemas.microsoft.com/office/drawing/2014/main" id="{E00F19B7-3E81-C1B9-2CD0-51828DE1B224}"/>
-              </a:ext>
-            </a:extLst>
-          </p:cNvPr>
-          <p:cNvSpPr txBox="1"/>
+              <a:rPr lang="en-US" u="sng" dirty="0">
+                <a:solidFill>
+                  <a:srgbClr val="FF0000"/>
+                </a:solidFill>
+                <a:latin typeface="Roboto" panose="02000000000000000000" pitchFamily="2" charset="0"/>
+                <a:ea typeface="Roboto" panose="02000000000000000000" pitchFamily="2" charset="0"/>
+                <a:cs typeface="Times New Roman" panose="02020603050405020304" pitchFamily="18" charset="0"/>
+              </a:rPr>
+              <a:t>Microservices</a:t>
+            </a:r>
+            <a:r>
+              <a:rPr lang="en-US" b="1" u="sng" dirty="0">
+                <a:solidFill>
+                  <a:srgbClr val="FF0000"/>
+                </a:solidFill>
+                <a:latin typeface="Roboto" panose="02000000000000000000" pitchFamily="2" charset="0"/>
+                <a:ea typeface="Roboto" panose="02000000000000000000" pitchFamily="2" charset="0"/>
+                <a:cs typeface="Times New Roman" panose="02020603050405020304" pitchFamily="18" charset="0"/>
+              </a:rPr>
+              <a:t> </a:t>
+            </a:r>
+            <a:endParaRPr lang="en-US" b="1" dirty="0">
+              <a:latin typeface="Lato" panose="020F0502020204030203" pitchFamily="34" charset="0"/>
+            </a:endParaRPr>
+          </a:p>
+        </p:txBody>
+      </p:sp>
+      <p:cxnSp>
+        <p:nvCxnSpPr>
+          <p:cNvPr id="17" name="Straight Arrow Connector 16">
+            <a:extLst>
+              <a:ext uri="{FF2B5EF4-FFF2-40B4-BE49-F238E27FC236}">
+                <a16:creationId xmlns:a16="http://schemas.microsoft.com/office/drawing/2014/main" id="{C5C92951-49F2-3F62-4D89-BE279AA94A0C}"/>
+              </a:ext>
+            </a:extLst>
+          </p:cNvPr>
+          <p:cNvCxnSpPr>
+            <a:cxnSpLocks/>
+            <a:stCxn id="11" idx="1"/>
+            <a:endCxn id="12" idx="1"/>
+          </p:cNvCxnSpPr>
           <p:nvPr/>
-        </p:nvSpPr>
-        <p:spPr>
-          <a:xfrm>
-            <a:off x="1550252" y="4541709"/>
-            <a:ext cx="1416285" cy="369332"/>
-          </a:xfrm>
-          <a:prstGeom prst="rect">
+        </p:nvCxnSpPr>
+        <p:spPr>
+          <a:xfrm flipV="1">
+            <a:off x="5578495" y="2132237"/>
+            <a:ext cx="2060147" cy="1168974"/>
+          </a:xfrm>
+          <a:prstGeom prst="straightConnector1">
             <a:avLst/>
           </a:prstGeom>
-          <a:noFill/>
-        </p:spPr>
-        <p:txBody>
-          <a:bodyPr wrap="none" rtlCol="0">
-            <a:spAutoFit/>
-          </a:bodyPr>
-          <a:lstStyle/>
-          <a:p>
-            <a:r>
-              <a:rPr lang="en-US" dirty="0"/>
-              <a:t>Eureka Client</a:t>
-            </a:r>
-          </a:p>
-        </p:txBody>
-      </p:sp>
+          <a:ln>
+            <a:headEnd type="triangle"/>
+            <a:tailEnd type="triangle"/>
+          </a:ln>
+        </p:spPr>
+        <p:style>
+          <a:lnRef idx="1">
+            <a:schemeClr val="accent1"/>
+          </a:lnRef>
+          <a:fillRef idx="0">
+            <a:schemeClr val="accent1"/>
+          </a:fillRef>
+          <a:effectRef idx="0">
+            <a:schemeClr val="accent1"/>
+          </a:effectRef>
+          <a:fontRef idx="minor">
+            <a:schemeClr val="tx1"/>
+          </a:fontRef>
+        </p:style>
+      </p:cxnSp>
     </p:spTree>
     <p:extLst>
       <p:ext uri="{BB962C8B-B14F-4D97-AF65-F5344CB8AC3E}">
-        <p14:creationId xmlns:p14="http://schemas.microsoft.com/office/powerpoint/2010/main" val="2298711232"/>
+        <p14:creationId xmlns:p14="http://schemas.microsoft.com/office/powerpoint/2010/main" val="3124380279"/>
       </p:ext>
     </p:extLst>
   </p:cSld>

--- a/documents/hms_backend.pptx
+++ b/documents/hms_backend.pptx
@@ -204,7 +204,7 @@
           <a:p>
             <a:fld id="{0541B742-6D0D-4B93-B670-3D2308A2C958}" type="datetimeFigureOut">
               <a:rPr lang="en-IN" smtClean="0"/>
-              <a:t>28-02-2023</a:t>
+              <a:t>03-03-2023</a:t>
             </a:fld>
             <a:endParaRPr lang="en-IN"/>
           </a:p>
@@ -621,7 +621,7 @@
           <a:p>
             <a:fld id="{E1398576-78BB-4A43-881A-9BA9318EC520}" type="datetime1">
               <a:rPr lang="en-IN" smtClean="0"/>
-              <a:t>28-02-2023</a:t>
+              <a:t>03-03-2023</a:t>
             </a:fld>
             <a:endParaRPr lang="en-IN" dirty="0"/>
           </a:p>
@@ -821,7 +821,7 @@
           <a:p>
             <a:fld id="{DC05C1AE-6B8F-46A9-BE43-3E79956F7276}" type="datetime1">
               <a:rPr lang="en-IN" smtClean="0"/>
-              <a:t>28-02-2023</a:t>
+              <a:t>03-03-2023</a:t>
             </a:fld>
             <a:endParaRPr lang="en-IN" dirty="0"/>
           </a:p>
@@ -1031,7 +1031,7 @@
           <a:p>
             <a:fld id="{CF70E3C0-0020-4BF9-AE28-132BEC5EF1F0}" type="datetime1">
               <a:rPr lang="en-IN" smtClean="0"/>
-              <a:t>28-02-2023</a:t>
+              <a:t>03-03-2023</a:t>
             </a:fld>
             <a:endParaRPr lang="en-IN" dirty="0"/>
           </a:p>
@@ -1231,7 +1231,7 @@
           <a:p>
             <a:fld id="{8A338A9B-E703-4810-8492-B8675AAA1CCE}" type="datetime1">
               <a:rPr lang="en-IN" smtClean="0"/>
-              <a:t>28-02-2023</a:t>
+              <a:t>03-03-2023</a:t>
             </a:fld>
             <a:endParaRPr lang="en-IN" dirty="0"/>
           </a:p>
@@ -1507,7 +1507,7 @@
           <a:p>
             <a:fld id="{2F19B84F-8A41-4190-AD7B-6F8EB603CCB1}" type="datetime1">
               <a:rPr lang="en-IN" smtClean="0"/>
-              <a:t>28-02-2023</a:t>
+              <a:t>03-03-2023</a:t>
             </a:fld>
             <a:endParaRPr lang="en-IN" dirty="0"/>
           </a:p>
@@ -1775,7 +1775,7 @@
           <a:p>
             <a:fld id="{74289495-FE7D-4ECD-B99D-246E45931D76}" type="datetime1">
               <a:rPr lang="en-IN" smtClean="0"/>
-              <a:t>28-02-2023</a:t>
+              <a:t>03-03-2023</a:t>
             </a:fld>
             <a:endParaRPr lang="en-IN" dirty="0"/>
           </a:p>
@@ -2190,7 +2190,7 @@
           <a:p>
             <a:fld id="{7F48335E-5508-4CE8-9B64-0CC5562FA7F7}" type="datetime1">
               <a:rPr lang="en-IN" smtClean="0"/>
-              <a:t>28-02-2023</a:t>
+              <a:t>03-03-2023</a:t>
             </a:fld>
             <a:endParaRPr lang="en-IN" dirty="0"/>
           </a:p>
@@ -2332,7 +2332,7 @@
           <a:p>
             <a:fld id="{14C4604D-4B09-4795-85F6-ABC48229A2AB}" type="datetime1">
               <a:rPr lang="en-IN" smtClean="0"/>
-              <a:t>28-02-2023</a:t>
+              <a:t>03-03-2023</a:t>
             </a:fld>
             <a:endParaRPr lang="en-IN" dirty="0"/>
           </a:p>
@@ -2445,7 +2445,7 @@
           <a:p>
             <a:fld id="{30362704-8F42-43FC-81B1-AB42996BE194}" type="datetime1">
               <a:rPr lang="en-IN" smtClean="0"/>
-              <a:t>28-02-2023</a:t>
+              <a:t>03-03-2023</a:t>
             </a:fld>
             <a:endParaRPr lang="en-IN" dirty="0"/>
           </a:p>
@@ -2758,7 +2758,7 @@
           <a:p>
             <a:fld id="{B3A4FCF7-BB96-4E49-BED9-CF74312B60BC}" type="datetime1">
               <a:rPr lang="en-IN" smtClean="0"/>
-              <a:t>28-02-2023</a:t>
+              <a:t>03-03-2023</a:t>
             </a:fld>
             <a:endParaRPr lang="en-IN" dirty="0"/>
           </a:p>
@@ -3047,7 +3047,7 @@
           <a:p>
             <a:fld id="{52CEB472-FD3F-4F65-9E00-EDF6E25AF684}" type="datetime1">
               <a:rPr lang="en-IN" smtClean="0"/>
-              <a:t>28-02-2023</a:t>
+              <a:t>03-03-2023</a:t>
             </a:fld>
             <a:endParaRPr lang="en-IN" dirty="0"/>
           </a:p>
@@ -3290,7 +3290,7 @@
           <a:p>
             <a:fld id="{0319963A-45C5-4795-B192-875BB16DDCF4}" type="datetime1">
               <a:rPr lang="en-IN" smtClean="0"/>
-              <a:t>28-02-2023</a:t>
+              <a:t>03-03-2023</a:t>
             </a:fld>
             <a:endParaRPr lang="en-IN" dirty="0"/>
           </a:p>
@@ -4971,11 +4971,11 @@
             </a:r>
             <a:r>
               <a:rPr lang="en-US" b="1" dirty="0"/>
-              <a:t>192.168.41.02</a:t>
+              <a:t>192.168.41.01</a:t>
             </a:r>
             <a:r>
               <a:rPr lang="en-US" dirty="0"/>
-              <a:t>:8080/</a:t>
+              <a:t>:9092/</a:t>
             </a:r>
           </a:p>
         </p:txBody>
@@ -5238,6 +5238,49 @@
             <a:r>
               <a:rPr lang="en-US" dirty="0"/>
               <a:t>Eureka Client</a:t>
+            </a:r>
+          </a:p>
+        </p:txBody>
+      </p:sp>
+      <p:sp>
+        <p:nvSpPr>
+          <p:cNvPr id="3" name="TextBox 2">
+            <a:extLst>
+              <a:ext uri="{FF2B5EF4-FFF2-40B4-BE49-F238E27FC236}">
+                <a16:creationId xmlns:a16="http://schemas.microsoft.com/office/drawing/2014/main" id="{3346783C-6405-E9F5-8071-1E38287FA34B}"/>
+              </a:ext>
+            </a:extLst>
+          </p:cNvPr>
+          <p:cNvSpPr txBox="1"/>
+          <p:nvPr/>
+        </p:nvSpPr>
+        <p:spPr>
+          <a:xfrm>
+            <a:off x="8449457" y="5864996"/>
+            <a:ext cx="2792175" cy="369332"/>
+          </a:xfrm>
+          <a:prstGeom prst="rect">
+            <a:avLst/>
+          </a:prstGeom>
+          <a:noFill/>
+        </p:spPr>
+        <p:txBody>
+          <a:bodyPr wrap="none" rtlCol="0">
+            <a:spAutoFit/>
+          </a:bodyPr>
+          <a:lstStyle/>
+          <a:p>
+            <a:r>
+              <a:rPr lang="en-US" dirty="0"/>
+              <a:t>http://</a:t>
+            </a:r>
+            <a:r>
+              <a:rPr lang="en-US" b="1" dirty="0"/>
+              <a:t>192.168.41.01</a:t>
+            </a:r>
+            <a:r>
+              <a:rPr lang="en-US" dirty="0"/>
+              <a:t>:8761/</a:t>
             </a:r>
           </a:p>
         </p:txBody>
